--- a/doc/Project Presentation - Ra 2017-05.pptx
+++ b/doc/Project Presentation - Ra 2017-05.pptx
@@ -5,7 +5,7 @@
     <p:sldMasterId id="2147483648" r:id="rId1"/>
   </p:sldMasterIdLst>
   <p:notesMasterIdLst>
-    <p:notesMasterId r:id="rId17"/>
+    <p:notesMasterId r:id="rId18"/>
   </p:notesMasterIdLst>
   <p:sldIdLst>
     <p:sldId id="256" r:id="rId2"/>
@@ -23,6 +23,7 @@
     <p:sldId id="274" r:id="rId14"/>
     <p:sldId id="276" r:id="rId15"/>
     <p:sldId id="277" r:id="rId16"/>
+    <p:sldId id="278" r:id="rId17"/>
   </p:sldIdLst>
   <p:sldSz cx="12192000" cy="6858000"/>
   <p:notesSz cx="6858000" cy="9144000"/>
@@ -215,7 +216,7 @@
           <a:p>
             <a:fld id="{34A4B345-081C-4B36-8A2B-252C2F6BF39C}" type="datetimeFigureOut">
               <a:rPr lang="en-US" smtClean="0"/>
-              <a:t>5/30/2017</a:t>
+              <a:t>6/13/2017</a:t>
             </a:fld>
             <a:endParaRPr lang="en-US"/>
           </a:p>
@@ -888,7 +889,7 @@
           <a:noFill/>
           <a:extLst>
             <a:ext uri="{909E8E84-426E-40dd-AFC4-6F175D3DCCD1}">
-              <a14:hiddenFill xmlns:a14="http://schemas.microsoft.com/office/drawing/2010/main" xmlns="">
+              <a14:hiddenFill xmlns="" xmlns:a14="http://schemas.microsoft.com/office/drawing/2010/main">
                 <a:solidFill>
                   <a:srgbClr val="FFFFFF"/>
                 </a:solidFill>
@@ -948,7 +949,7 @@
             </a:ln>
             <a:extLst>
               <a:ext uri="{91240B29-F687-4f45-9708-019B960494DF}">
-                <a14:hiddenLine xmlns:a14="http://schemas.microsoft.com/office/drawing/2010/main" xmlns="" w="9525">
+                <a14:hiddenLine xmlns="" xmlns:a14="http://schemas.microsoft.com/office/drawing/2010/main" w="9525">
                   <a:solidFill>
                     <a:srgbClr val="000000"/>
                   </a:solidFill>
@@ -1038,7 +1039,7 @@
             </a:ln>
             <a:extLst>
               <a:ext uri="{91240B29-F687-4f45-9708-019B960494DF}">
-                <a14:hiddenLine xmlns:a14="http://schemas.microsoft.com/office/drawing/2010/main" xmlns="" w="9525">
+                <a14:hiddenLine xmlns="" xmlns:a14="http://schemas.microsoft.com/office/drawing/2010/main" w="9525">
                   <a:solidFill>
                     <a:srgbClr val="000000"/>
                   </a:solidFill>
@@ -1128,7 +1129,7 @@
             </a:ln>
             <a:extLst>
               <a:ext uri="{91240B29-F687-4f45-9708-019B960494DF}">
-                <a14:hiddenLine xmlns:a14="http://schemas.microsoft.com/office/drawing/2010/main" xmlns="" w="9525">
+                <a14:hiddenLine xmlns="" xmlns:a14="http://schemas.microsoft.com/office/drawing/2010/main" w="9525">
                   <a:solidFill>
                     <a:srgbClr val="000000"/>
                   </a:solidFill>
@@ -1162,7 +1163,7 @@
             </a:ln>
             <a:extLst>
               <a:ext uri="{91240B29-F687-4f45-9708-019B960494DF}">
-                <a14:hiddenLine xmlns:a14="http://schemas.microsoft.com/office/drawing/2010/main" xmlns="" w="9525">
+                <a14:hiddenLine xmlns="" xmlns:a14="http://schemas.microsoft.com/office/drawing/2010/main" w="9525">
                   <a:solidFill>
                     <a:srgbClr val="000000"/>
                   </a:solidFill>
@@ -1252,7 +1253,7 @@
             </a:ln>
             <a:extLst>
               <a:ext uri="{91240B29-F687-4f45-9708-019B960494DF}">
-                <a14:hiddenLine xmlns:a14="http://schemas.microsoft.com/office/drawing/2010/main" xmlns="" w="9525">
+                <a14:hiddenLine xmlns="" xmlns:a14="http://schemas.microsoft.com/office/drawing/2010/main" w="9525">
                   <a:solidFill>
                     <a:srgbClr val="000000"/>
                   </a:solidFill>
@@ -1314,7 +1315,7 @@
             </a:ln>
             <a:extLst>
               <a:ext uri="{91240B29-F687-4f45-9708-019B960494DF}">
-                <a14:hiddenLine xmlns:a14="http://schemas.microsoft.com/office/drawing/2010/main" xmlns="" w="9525">
+                <a14:hiddenLine xmlns="" xmlns:a14="http://schemas.microsoft.com/office/drawing/2010/main" w="9525">
                   <a:solidFill>
                     <a:srgbClr val="000000"/>
                   </a:solidFill>
@@ -1376,7 +1377,7 @@
             </a:ln>
             <a:extLst>
               <a:ext uri="{91240B29-F687-4f45-9708-019B960494DF}">
-                <a14:hiddenLine xmlns:a14="http://schemas.microsoft.com/office/drawing/2010/main" xmlns="" w="9525">
+                <a14:hiddenLine xmlns="" xmlns:a14="http://schemas.microsoft.com/office/drawing/2010/main" w="9525">
                   <a:solidFill>
                     <a:srgbClr val="000000"/>
                   </a:solidFill>
@@ -1466,7 +1467,7 @@
             </a:ln>
             <a:extLst>
               <a:ext uri="{91240B29-F687-4f45-9708-019B960494DF}">
-                <a14:hiddenLine xmlns:a14="http://schemas.microsoft.com/office/drawing/2010/main" xmlns="" w="9525">
+                <a14:hiddenLine xmlns="" xmlns:a14="http://schemas.microsoft.com/office/drawing/2010/main" w="9525">
                   <a:solidFill>
                     <a:srgbClr val="000000"/>
                   </a:solidFill>
@@ -1528,7 +1529,7 @@
             </a:ln>
             <a:extLst>
               <a:ext uri="{91240B29-F687-4f45-9708-019B960494DF}">
-                <a14:hiddenLine xmlns:a14="http://schemas.microsoft.com/office/drawing/2010/main" xmlns="" w="9525">
+                <a14:hiddenLine xmlns="" xmlns:a14="http://schemas.microsoft.com/office/drawing/2010/main" w="9525">
                   <a:solidFill>
                     <a:srgbClr val="000000"/>
                   </a:solidFill>
@@ -1590,7 +1591,7 @@
             </a:ln>
             <a:extLst>
               <a:ext uri="{91240B29-F687-4f45-9708-019B960494DF}">
-                <a14:hiddenLine xmlns:a14="http://schemas.microsoft.com/office/drawing/2010/main" xmlns="" w="9525">
+                <a14:hiddenLine xmlns="" xmlns:a14="http://schemas.microsoft.com/office/drawing/2010/main" w="9525">
                   <a:solidFill>
                     <a:srgbClr val="000000"/>
                   </a:solidFill>
@@ -1680,7 +1681,7 @@
             </a:ln>
             <a:extLst>
               <a:ext uri="{91240B29-F687-4f45-9708-019B960494DF}">
-                <a14:hiddenLine xmlns:a14="http://schemas.microsoft.com/office/drawing/2010/main" xmlns="" w="9525">
+                <a14:hiddenLine xmlns="" xmlns:a14="http://schemas.microsoft.com/office/drawing/2010/main" w="9525">
                   <a:solidFill>
                     <a:srgbClr val="000000"/>
                   </a:solidFill>
@@ -1770,7 +1771,7 @@
             </a:ln>
             <a:extLst>
               <a:ext uri="{91240B29-F687-4f45-9708-019B960494DF}">
-                <a14:hiddenLine xmlns:a14="http://schemas.microsoft.com/office/drawing/2010/main" xmlns="" w="9525">
+                <a14:hiddenLine xmlns="" xmlns:a14="http://schemas.microsoft.com/office/drawing/2010/main" w="9525">
                   <a:solidFill>
                     <a:srgbClr val="000000"/>
                   </a:solidFill>
@@ -1832,7 +1833,7 @@
             </a:ln>
             <a:extLst>
               <a:ext uri="{91240B29-F687-4f45-9708-019B960494DF}">
-                <a14:hiddenLine xmlns:a14="http://schemas.microsoft.com/office/drawing/2010/main" xmlns="" w="9525">
+                <a14:hiddenLine xmlns="" xmlns:a14="http://schemas.microsoft.com/office/drawing/2010/main" w="9525">
                   <a:solidFill>
                     <a:srgbClr val="000000"/>
                   </a:solidFill>
@@ -1942,7 +1943,7 @@
             </a:ln>
             <a:extLst>
               <a:ext uri="{91240B29-F687-4f45-9708-019B960494DF}">
-                <a14:hiddenLine xmlns:a14="http://schemas.microsoft.com/office/drawing/2010/main" xmlns="" w="9525">
+                <a14:hiddenLine xmlns="" xmlns:a14="http://schemas.microsoft.com/office/drawing/2010/main" w="9525">
                   <a:solidFill>
                     <a:srgbClr val="000000"/>
                   </a:solidFill>
@@ -2004,7 +2005,7 @@
             </a:ln>
             <a:extLst>
               <a:ext uri="{91240B29-F687-4f45-9708-019B960494DF}">
-                <a14:hiddenLine xmlns:a14="http://schemas.microsoft.com/office/drawing/2010/main" xmlns="" w="9525">
+                <a14:hiddenLine xmlns="" xmlns:a14="http://schemas.microsoft.com/office/drawing/2010/main" w="9525">
                   <a:solidFill>
                     <a:srgbClr val="000000"/>
                   </a:solidFill>
@@ -2094,7 +2095,7 @@
             </a:ln>
             <a:extLst>
               <a:ext uri="{91240B29-F687-4f45-9708-019B960494DF}">
-                <a14:hiddenLine xmlns:a14="http://schemas.microsoft.com/office/drawing/2010/main" xmlns="" w="9525">
+                <a14:hiddenLine xmlns="" xmlns:a14="http://schemas.microsoft.com/office/drawing/2010/main" w="9525">
                   <a:solidFill>
                     <a:srgbClr val="000000"/>
                   </a:solidFill>
@@ -2184,7 +2185,7 @@
             </a:ln>
             <a:extLst>
               <a:ext uri="{91240B29-F687-4f45-9708-019B960494DF}">
-                <a14:hiddenLine xmlns:a14="http://schemas.microsoft.com/office/drawing/2010/main" xmlns="" w="9525">
+                <a14:hiddenLine xmlns="" xmlns:a14="http://schemas.microsoft.com/office/drawing/2010/main" w="9525">
                   <a:solidFill>
                     <a:srgbClr val="000000"/>
                   </a:solidFill>
@@ -2246,7 +2247,7 @@
             </a:ln>
             <a:extLst>
               <a:ext uri="{91240B29-F687-4f45-9708-019B960494DF}">
-                <a14:hiddenLine xmlns:a14="http://schemas.microsoft.com/office/drawing/2010/main" xmlns="" w="9525">
+                <a14:hiddenLine xmlns="" xmlns:a14="http://schemas.microsoft.com/office/drawing/2010/main" w="9525">
                   <a:solidFill>
                     <a:srgbClr val="000000"/>
                   </a:solidFill>
@@ -2336,7 +2337,7 @@
             </a:ln>
             <a:extLst>
               <a:ext uri="{91240B29-F687-4f45-9708-019B960494DF}">
-                <a14:hiddenLine xmlns:a14="http://schemas.microsoft.com/office/drawing/2010/main" xmlns="" w="9525">
+                <a14:hiddenLine xmlns="" xmlns:a14="http://schemas.microsoft.com/office/drawing/2010/main" w="9525">
                   <a:solidFill>
                     <a:srgbClr val="000000"/>
                   </a:solidFill>
@@ -2426,7 +2427,7 @@
             </a:ln>
             <a:extLst>
               <a:ext uri="{91240B29-F687-4f45-9708-019B960494DF}">
-                <a14:hiddenLine xmlns:a14="http://schemas.microsoft.com/office/drawing/2010/main" xmlns="" w="9525">
+                <a14:hiddenLine xmlns="" xmlns:a14="http://schemas.microsoft.com/office/drawing/2010/main" w="9525">
                   <a:solidFill>
                     <a:srgbClr val="000000"/>
                   </a:solidFill>
@@ -2482,7 +2483,7 @@
             </a:ln>
             <a:extLst>
               <a:ext uri="{91240B29-F687-4f45-9708-019B960494DF}">
-                <a14:hiddenLine xmlns:a14="http://schemas.microsoft.com/office/drawing/2010/main" xmlns="" w="9525">
+                <a14:hiddenLine xmlns="" xmlns:a14="http://schemas.microsoft.com/office/drawing/2010/main" w="9525">
                   <a:solidFill>
                     <a:srgbClr val="000000"/>
                   </a:solidFill>
@@ -2572,7 +2573,7 @@
             </a:ln>
             <a:extLst>
               <a:ext uri="{91240B29-F687-4f45-9708-019B960494DF}">
-                <a14:hiddenLine xmlns:a14="http://schemas.microsoft.com/office/drawing/2010/main" xmlns="" w="9525">
+                <a14:hiddenLine xmlns="" xmlns:a14="http://schemas.microsoft.com/office/drawing/2010/main" w="9525">
                   <a:solidFill>
                     <a:srgbClr val="000000"/>
                   </a:solidFill>
@@ -2628,7 +2629,7 @@
             </a:ln>
             <a:extLst>
               <a:ext uri="{91240B29-F687-4f45-9708-019B960494DF}">
-                <a14:hiddenLine xmlns:a14="http://schemas.microsoft.com/office/drawing/2010/main" xmlns="" w="9525">
+                <a14:hiddenLine xmlns="" xmlns:a14="http://schemas.microsoft.com/office/drawing/2010/main" w="9525">
                   <a:solidFill>
                     <a:srgbClr val="000000"/>
                   </a:solidFill>
@@ -2718,7 +2719,7 @@
             </a:ln>
             <a:extLst>
               <a:ext uri="{91240B29-F687-4f45-9708-019B960494DF}">
-                <a14:hiddenLine xmlns:a14="http://schemas.microsoft.com/office/drawing/2010/main" xmlns="" w="9525">
+                <a14:hiddenLine xmlns="" xmlns:a14="http://schemas.microsoft.com/office/drawing/2010/main" w="9525">
                   <a:solidFill>
                     <a:srgbClr val="000000"/>
                   </a:solidFill>
@@ -2786,7 +2787,7 @@
             </a:ln>
             <a:extLst>
               <a:ext uri="{91240B29-F687-4f45-9708-019B960494DF}">
-                <a14:hiddenLine xmlns:a14="http://schemas.microsoft.com/office/drawing/2010/main" xmlns="" w="9525">
+                <a14:hiddenLine xmlns="" xmlns:a14="http://schemas.microsoft.com/office/drawing/2010/main" w="9525">
                   <a:solidFill>
                     <a:srgbClr val="000000"/>
                   </a:solidFill>
@@ -2876,7 +2877,7 @@
             </a:ln>
             <a:extLst>
               <a:ext uri="{91240B29-F687-4f45-9708-019B960494DF}">
-                <a14:hiddenLine xmlns:a14="http://schemas.microsoft.com/office/drawing/2010/main" xmlns="" w="9525">
+                <a14:hiddenLine xmlns="" xmlns:a14="http://schemas.microsoft.com/office/drawing/2010/main" w="9525">
                   <a:solidFill>
                     <a:srgbClr val="000000"/>
                   </a:solidFill>
@@ -2944,7 +2945,7 @@
             </a:ln>
             <a:extLst>
               <a:ext uri="{91240B29-F687-4f45-9708-019B960494DF}">
-                <a14:hiddenLine xmlns:a14="http://schemas.microsoft.com/office/drawing/2010/main" xmlns="" w="9525">
+                <a14:hiddenLine xmlns="" xmlns:a14="http://schemas.microsoft.com/office/drawing/2010/main" w="9525">
                   <a:solidFill>
                     <a:srgbClr val="000000"/>
                   </a:solidFill>
@@ -3034,7 +3035,7 @@
             </a:ln>
             <a:extLst>
               <a:ext uri="{91240B29-F687-4f45-9708-019B960494DF}">
-                <a14:hiddenLine xmlns:a14="http://schemas.microsoft.com/office/drawing/2010/main" xmlns="" w="9525">
+                <a14:hiddenLine xmlns="" xmlns:a14="http://schemas.microsoft.com/office/drawing/2010/main" w="9525">
                   <a:solidFill>
                     <a:srgbClr val="000000"/>
                   </a:solidFill>
@@ -3068,7 +3069,7 @@
             </a:ln>
             <a:extLst>
               <a:ext uri="{91240B29-F687-4f45-9708-019B960494DF}">
-                <a14:hiddenLine xmlns:a14="http://schemas.microsoft.com/office/drawing/2010/main" xmlns="" w="9525">
+                <a14:hiddenLine xmlns="" xmlns:a14="http://schemas.microsoft.com/office/drawing/2010/main" w="9525">
                   <a:solidFill>
                     <a:srgbClr val="000000"/>
                   </a:solidFill>
@@ -3158,7 +3159,7 @@
             </a:ln>
             <a:extLst>
               <a:ext uri="{91240B29-F687-4f45-9708-019B960494DF}">
-                <a14:hiddenLine xmlns:a14="http://schemas.microsoft.com/office/drawing/2010/main" xmlns="" w="9525">
+                <a14:hiddenLine xmlns="" xmlns:a14="http://schemas.microsoft.com/office/drawing/2010/main" w="9525">
                   <a:solidFill>
                     <a:srgbClr val="000000"/>
                   </a:solidFill>
@@ -3220,7 +3221,7 @@
             </a:ln>
             <a:extLst>
               <a:ext uri="{91240B29-F687-4f45-9708-019B960494DF}">
-                <a14:hiddenLine xmlns:a14="http://schemas.microsoft.com/office/drawing/2010/main" xmlns="" w="9525">
+                <a14:hiddenLine xmlns="" xmlns:a14="http://schemas.microsoft.com/office/drawing/2010/main" w="9525">
                   <a:solidFill>
                     <a:srgbClr val="000000"/>
                   </a:solidFill>
@@ -3282,7 +3283,7 @@
             </a:ln>
             <a:extLst>
               <a:ext uri="{91240B29-F687-4f45-9708-019B960494DF}">
-                <a14:hiddenLine xmlns:a14="http://schemas.microsoft.com/office/drawing/2010/main" xmlns="" w="9525">
+                <a14:hiddenLine xmlns="" xmlns:a14="http://schemas.microsoft.com/office/drawing/2010/main" w="9525">
                   <a:solidFill>
                     <a:srgbClr val="000000"/>
                   </a:solidFill>
@@ -3372,7 +3373,7 @@
             </a:ln>
             <a:extLst>
               <a:ext uri="{91240B29-F687-4f45-9708-019B960494DF}">
-                <a14:hiddenLine xmlns:a14="http://schemas.microsoft.com/office/drawing/2010/main" xmlns="" w="9525">
+                <a14:hiddenLine xmlns="" xmlns:a14="http://schemas.microsoft.com/office/drawing/2010/main" w="9525">
                   <a:solidFill>
                     <a:srgbClr val="000000"/>
                   </a:solidFill>
@@ -3440,7 +3441,7 @@
             </a:ln>
             <a:extLst>
               <a:ext uri="{91240B29-F687-4f45-9708-019B960494DF}">
-                <a14:hiddenLine xmlns:a14="http://schemas.microsoft.com/office/drawing/2010/main" xmlns="" w="9525">
+                <a14:hiddenLine xmlns="" xmlns:a14="http://schemas.microsoft.com/office/drawing/2010/main" w="9525">
                   <a:solidFill>
                     <a:srgbClr val="000000"/>
                   </a:solidFill>
@@ -3502,7 +3503,7 @@
             </a:ln>
             <a:extLst>
               <a:ext uri="{91240B29-F687-4f45-9708-019B960494DF}">
-                <a14:hiddenLine xmlns:a14="http://schemas.microsoft.com/office/drawing/2010/main" xmlns="" w="9525">
+                <a14:hiddenLine xmlns="" xmlns:a14="http://schemas.microsoft.com/office/drawing/2010/main" w="9525">
                   <a:solidFill>
                     <a:srgbClr val="000000"/>
                   </a:solidFill>
@@ -3592,7 +3593,7 @@
             </a:ln>
             <a:extLst>
               <a:ext uri="{91240B29-F687-4f45-9708-019B960494DF}">
-                <a14:hiddenLine xmlns:a14="http://schemas.microsoft.com/office/drawing/2010/main" xmlns="" w="9525">
+                <a14:hiddenLine xmlns="" xmlns:a14="http://schemas.microsoft.com/office/drawing/2010/main" w="9525">
                   <a:solidFill>
                     <a:srgbClr val="000000"/>
                   </a:solidFill>
@@ -3654,7 +3655,7 @@
             </a:ln>
             <a:extLst>
               <a:ext uri="{91240B29-F687-4f45-9708-019B960494DF}">
-                <a14:hiddenLine xmlns:a14="http://schemas.microsoft.com/office/drawing/2010/main" xmlns="" w="9525">
+                <a14:hiddenLine xmlns="" xmlns:a14="http://schemas.microsoft.com/office/drawing/2010/main" w="9525">
                   <a:solidFill>
                     <a:srgbClr val="000000"/>
                   </a:solidFill>
@@ -3744,7 +3745,7 @@
             </a:ln>
             <a:extLst>
               <a:ext uri="{91240B29-F687-4f45-9708-019B960494DF}">
-                <a14:hiddenLine xmlns:a14="http://schemas.microsoft.com/office/drawing/2010/main" xmlns="" w="9525">
+                <a14:hiddenLine xmlns="" xmlns:a14="http://schemas.microsoft.com/office/drawing/2010/main" w="9525">
                   <a:solidFill>
                     <a:srgbClr val="000000"/>
                   </a:solidFill>
@@ -3806,7 +3807,7 @@
             </a:ln>
             <a:extLst>
               <a:ext uri="{91240B29-F687-4f45-9708-019B960494DF}">
-                <a14:hiddenLine xmlns:a14="http://schemas.microsoft.com/office/drawing/2010/main" xmlns="" w="9525">
+                <a14:hiddenLine xmlns="" xmlns:a14="http://schemas.microsoft.com/office/drawing/2010/main" w="9525">
                   <a:solidFill>
                     <a:srgbClr val="000000"/>
                   </a:solidFill>
@@ -3896,7 +3897,7 @@
             </a:ln>
             <a:extLst>
               <a:ext uri="{91240B29-F687-4f45-9708-019B960494DF}">
-                <a14:hiddenLine xmlns:a14="http://schemas.microsoft.com/office/drawing/2010/main" xmlns="" w="9525">
+                <a14:hiddenLine xmlns="" xmlns:a14="http://schemas.microsoft.com/office/drawing/2010/main" w="9525">
                   <a:solidFill>
                     <a:srgbClr val="000000"/>
                   </a:solidFill>
@@ -3930,7 +3931,7 @@
             </a:ln>
             <a:extLst>
               <a:ext uri="{91240B29-F687-4f45-9708-019B960494DF}">
-                <a14:hiddenLine xmlns:a14="http://schemas.microsoft.com/office/drawing/2010/main" xmlns="" w="9525">
+                <a14:hiddenLine xmlns="" xmlns:a14="http://schemas.microsoft.com/office/drawing/2010/main" w="9525">
                   <a:solidFill>
                     <a:srgbClr val="000000"/>
                   </a:solidFill>
@@ -3995,7 +3996,7 @@
             </a:ln>
             <a:extLst>
               <a:ext uri="{91240B29-F687-4f45-9708-019B960494DF}">
-                <a14:hiddenLine xmlns:a14="http://schemas.microsoft.com/office/drawing/2010/main" xmlns="" w="9525">
+                <a14:hiddenLine xmlns="" xmlns:a14="http://schemas.microsoft.com/office/drawing/2010/main" w="9525">
                   <a:solidFill>
                     <a:srgbClr val="000000"/>
                   </a:solidFill>
@@ -4085,7 +4086,7 @@
             </a:ln>
             <a:extLst>
               <a:ext uri="{91240B29-F687-4f45-9708-019B960494DF}">
-                <a14:hiddenLine xmlns:a14="http://schemas.microsoft.com/office/drawing/2010/main" xmlns="" w="9525">
+                <a14:hiddenLine xmlns="" xmlns:a14="http://schemas.microsoft.com/office/drawing/2010/main" w="9525">
                   <a:solidFill>
                     <a:srgbClr val="000000"/>
                   </a:solidFill>
@@ -4147,7 +4148,7 @@
             </a:ln>
             <a:extLst>
               <a:ext uri="{91240B29-F687-4f45-9708-019B960494DF}">
-                <a14:hiddenLine xmlns:a14="http://schemas.microsoft.com/office/drawing/2010/main" xmlns="" w="9525">
+                <a14:hiddenLine xmlns="" xmlns:a14="http://schemas.microsoft.com/office/drawing/2010/main" w="9525">
                   <a:solidFill>
                     <a:srgbClr val="000000"/>
                   </a:solidFill>
@@ -4237,7 +4238,7 @@
             </a:ln>
             <a:extLst>
               <a:ext uri="{91240B29-F687-4f45-9708-019B960494DF}">
-                <a14:hiddenLine xmlns:a14="http://schemas.microsoft.com/office/drawing/2010/main" xmlns="" w="9525">
+                <a14:hiddenLine xmlns="" xmlns:a14="http://schemas.microsoft.com/office/drawing/2010/main" w="9525">
                   <a:solidFill>
                     <a:srgbClr val="000000"/>
                   </a:solidFill>
@@ -4327,7 +4328,7 @@
             </a:ln>
             <a:extLst>
               <a:ext uri="{91240B29-F687-4f45-9708-019B960494DF}">
-                <a14:hiddenLine xmlns:a14="http://schemas.microsoft.com/office/drawing/2010/main" xmlns="" w="9525">
+                <a14:hiddenLine xmlns="" xmlns:a14="http://schemas.microsoft.com/office/drawing/2010/main" w="9525">
                   <a:solidFill>
                     <a:srgbClr val="000000"/>
                   </a:solidFill>
@@ -4392,7 +4393,7 @@
             </a:ln>
             <a:extLst>
               <a:ext uri="{91240B29-F687-4f45-9708-019B960494DF}">
-                <a14:hiddenLine xmlns:a14="http://schemas.microsoft.com/office/drawing/2010/main" xmlns="" w="9525">
+                <a14:hiddenLine xmlns="" xmlns:a14="http://schemas.microsoft.com/office/drawing/2010/main" w="9525">
                   <a:solidFill>
                     <a:srgbClr val="000000"/>
                   </a:solidFill>
@@ -4454,7 +4455,7 @@
             </a:ln>
             <a:extLst>
               <a:ext uri="{91240B29-F687-4f45-9708-019B960494DF}">
-                <a14:hiddenLine xmlns:a14="http://schemas.microsoft.com/office/drawing/2010/main" xmlns="" w="9525">
+                <a14:hiddenLine xmlns="" xmlns:a14="http://schemas.microsoft.com/office/drawing/2010/main" w="9525">
                   <a:solidFill>
                     <a:srgbClr val="000000"/>
                   </a:solidFill>
@@ -4544,7 +4545,7 @@
             </a:ln>
             <a:extLst>
               <a:ext uri="{91240B29-F687-4f45-9708-019B960494DF}">
-                <a14:hiddenLine xmlns:a14="http://schemas.microsoft.com/office/drawing/2010/main" xmlns="" w="9525">
+                <a14:hiddenLine xmlns="" xmlns:a14="http://schemas.microsoft.com/office/drawing/2010/main" w="9525">
                   <a:solidFill>
                     <a:srgbClr val="000000"/>
                   </a:solidFill>
@@ -4634,7 +4635,7 @@
             </a:ln>
             <a:extLst>
               <a:ext uri="{91240B29-F687-4f45-9708-019B960494DF}">
-                <a14:hiddenLine xmlns:a14="http://schemas.microsoft.com/office/drawing/2010/main" xmlns="" w="9525">
+                <a14:hiddenLine xmlns="" xmlns:a14="http://schemas.microsoft.com/office/drawing/2010/main" w="9525">
                   <a:solidFill>
                     <a:srgbClr val="000000"/>
                   </a:solidFill>
@@ -4696,7 +4697,7 @@
             </a:ln>
             <a:extLst>
               <a:ext uri="{91240B29-F687-4f45-9708-019B960494DF}">
-                <a14:hiddenLine xmlns:a14="http://schemas.microsoft.com/office/drawing/2010/main" xmlns="" w="9525">
+                <a14:hiddenLine xmlns="" xmlns:a14="http://schemas.microsoft.com/office/drawing/2010/main" w="9525">
                   <a:solidFill>
                     <a:srgbClr val="000000"/>
                   </a:solidFill>
@@ -4816,7 +4817,7 @@
             </a:ln>
             <a:extLst>
               <a:ext uri="{91240B29-F687-4f45-9708-019B960494DF}">
-                <a14:hiddenLine xmlns:a14="http://schemas.microsoft.com/office/drawing/2010/main" xmlns="" w="9525">
+                <a14:hiddenLine xmlns="" xmlns:a14="http://schemas.microsoft.com/office/drawing/2010/main" w="9525">
                   <a:solidFill>
                     <a:srgbClr val="000000"/>
                   </a:solidFill>
@@ -4884,7 +4885,7 @@
             </a:ln>
             <a:extLst>
               <a:ext uri="{91240B29-F687-4f45-9708-019B960494DF}">
-                <a14:hiddenLine xmlns:a14="http://schemas.microsoft.com/office/drawing/2010/main" xmlns="" w="9525">
+                <a14:hiddenLine xmlns="" xmlns:a14="http://schemas.microsoft.com/office/drawing/2010/main" w="9525">
                   <a:solidFill>
                     <a:srgbClr val="000000"/>
                   </a:solidFill>
@@ -4974,7 +4975,7 @@
             </a:ln>
             <a:extLst>
               <a:ext uri="{91240B29-F687-4f45-9708-019B960494DF}">
-                <a14:hiddenLine xmlns:a14="http://schemas.microsoft.com/office/drawing/2010/main" xmlns="" w="9525">
+                <a14:hiddenLine xmlns="" xmlns:a14="http://schemas.microsoft.com/office/drawing/2010/main" w="9525">
                   <a:solidFill>
                     <a:srgbClr val="000000"/>
                   </a:solidFill>
@@ -5114,7 +5115,7 @@
           <a:p>
             <a:fld id="{48A87A34-81AB-432B-8DAE-1953F412C126}" type="datetimeFigureOut">
               <a:rPr lang="en-US" dirty="0"/>
-              <a:t>5/30/2017</a:t>
+              <a:t>6/13/2017</a:t>
             </a:fld>
             <a:endParaRPr lang="en-US" dirty="0"/>
           </a:p>
@@ -5376,7 +5377,7 @@
           <a:p>
             <a:fld id="{48A87A34-81AB-432B-8DAE-1953F412C126}" type="datetimeFigureOut">
               <a:rPr lang="en-US" dirty="0"/>
-              <a:t>5/30/2017</a:t>
+              <a:t>6/13/2017</a:t>
             </a:fld>
             <a:endParaRPr lang="en-US" dirty="0"/>
           </a:p>
@@ -5567,7 +5568,7 @@
           <a:p>
             <a:fld id="{48A87A34-81AB-432B-8DAE-1953F412C126}" type="datetimeFigureOut">
               <a:rPr lang="en-US" dirty="0"/>
-              <a:t>5/30/2017</a:t>
+              <a:t>6/13/2017</a:t>
             </a:fld>
             <a:endParaRPr lang="en-US" dirty="0"/>
           </a:p>
@@ -5825,7 +5826,7 @@
           <a:p>
             <a:fld id="{48A87A34-81AB-432B-8DAE-1953F412C126}" type="datetimeFigureOut">
               <a:rPr lang="en-US" dirty="0"/>
-              <a:t>5/30/2017</a:t>
+              <a:t>6/13/2017</a:t>
             </a:fld>
             <a:endParaRPr lang="en-US" dirty="0"/>
           </a:p>
@@ -6254,7 +6255,7 @@
           <a:p>
             <a:fld id="{48A87A34-81AB-432B-8DAE-1953F412C126}" type="datetimeFigureOut">
               <a:rPr lang="en-US" dirty="0"/>
-              <a:t>5/30/2017</a:t>
+              <a:t>6/13/2017</a:t>
             </a:fld>
             <a:endParaRPr lang="en-US" dirty="0"/>
           </a:p>
@@ -6795,7 +6796,7 @@
           <a:p>
             <a:fld id="{48A87A34-81AB-432B-8DAE-1953F412C126}" type="datetimeFigureOut">
               <a:rPr lang="en-US" dirty="0"/>
-              <a:t>5/30/2017</a:t>
+              <a:t>6/13/2017</a:t>
             </a:fld>
             <a:endParaRPr lang="en-US" dirty="0"/>
           </a:p>
@@ -7510,7 +7511,7 @@
           <a:p>
             <a:fld id="{48A87A34-81AB-432B-8DAE-1953F412C126}" type="datetimeFigureOut">
               <a:rPr lang="en-US" dirty="0"/>
-              <a:t>5/30/2017</a:t>
+              <a:t>6/13/2017</a:t>
             </a:fld>
             <a:endParaRPr lang="en-US" dirty="0"/>
           </a:p>
@@ -7675,7 +7676,7 @@
           <a:p>
             <a:fld id="{48A87A34-81AB-432B-8DAE-1953F412C126}" type="datetimeFigureOut">
               <a:rPr lang="en-US" dirty="0"/>
-              <a:t>5/30/2017</a:t>
+              <a:t>6/13/2017</a:t>
             </a:fld>
             <a:endParaRPr lang="en-US" dirty="0"/>
           </a:p>
@@ -7850,7 +7851,7 @@
           <a:p>
             <a:fld id="{48A87A34-81AB-432B-8DAE-1953F412C126}" type="datetimeFigureOut">
               <a:rPr lang="en-US" dirty="0"/>
-              <a:t>5/30/2017</a:t>
+              <a:t>6/13/2017</a:t>
             </a:fld>
             <a:endParaRPr lang="en-US" dirty="0"/>
           </a:p>
@@ -8015,7 +8016,7 @@
           <a:p>
             <a:fld id="{48A87A34-81AB-432B-8DAE-1953F412C126}" type="datetimeFigureOut">
               <a:rPr lang="en-US" dirty="0"/>
-              <a:t>5/30/2017</a:t>
+              <a:t>6/13/2017</a:t>
             </a:fld>
             <a:endParaRPr lang="en-US" dirty="0"/>
           </a:p>
@@ -8260,7 +8261,7 @@
           <a:p>
             <a:fld id="{48A87A34-81AB-432B-8DAE-1953F412C126}" type="datetimeFigureOut">
               <a:rPr lang="en-US" dirty="0"/>
-              <a:t>5/30/2017</a:t>
+              <a:t>6/13/2017</a:t>
             </a:fld>
             <a:endParaRPr lang="en-US" dirty="0"/>
           </a:p>
@@ -8487,7 +8488,7 @@
           <a:p>
             <a:fld id="{48A87A34-81AB-432B-8DAE-1953F412C126}" type="datetimeFigureOut">
               <a:rPr lang="en-US" dirty="0"/>
-              <a:t>5/30/2017</a:t>
+              <a:t>6/13/2017</a:t>
             </a:fld>
             <a:endParaRPr lang="en-US" dirty="0"/>
           </a:p>
@@ -8863,7 +8864,7 @@
           <a:p>
             <a:fld id="{48A87A34-81AB-432B-8DAE-1953F412C126}" type="datetimeFigureOut">
               <a:rPr lang="en-US" dirty="0"/>
-              <a:t>5/30/2017</a:t>
+              <a:t>6/13/2017</a:t>
             </a:fld>
             <a:endParaRPr lang="en-US" dirty="0"/>
           </a:p>
@@ -8976,7 +8977,7 @@
           <a:p>
             <a:fld id="{48A87A34-81AB-432B-8DAE-1953F412C126}" type="datetimeFigureOut">
               <a:rPr lang="en-US" dirty="0"/>
-              <a:t>5/30/2017</a:t>
+              <a:t>6/13/2017</a:t>
             </a:fld>
             <a:endParaRPr lang="en-US" dirty="0"/>
           </a:p>
@@ -9066,7 +9067,7 @@
           <a:p>
             <a:fld id="{48A87A34-81AB-432B-8DAE-1953F412C126}" type="datetimeFigureOut">
               <a:rPr lang="en-US" dirty="0"/>
-              <a:t>5/30/2017</a:t>
+              <a:t>6/13/2017</a:t>
             </a:fld>
             <a:endParaRPr lang="en-US" dirty="0"/>
           </a:p>
@@ -9310,7 +9311,7 @@
           <a:p>
             <a:fld id="{48A87A34-81AB-432B-8DAE-1953F412C126}" type="datetimeFigureOut">
               <a:rPr lang="en-US" dirty="0"/>
-              <a:t>5/30/2017</a:t>
+              <a:t>6/13/2017</a:t>
             </a:fld>
             <a:endParaRPr lang="en-US" dirty="0"/>
           </a:p>
@@ -9585,7 +9586,7 @@
           <a:p>
             <a:fld id="{48A87A34-81AB-432B-8DAE-1953F412C126}" type="datetimeFigureOut">
               <a:rPr lang="en-US" dirty="0"/>
-              <a:t>5/30/2017</a:t>
+              <a:t>6/13/2017</a:t>
             </a:fld>
             <a:endParaRPr lang="en-US" dirty="0"/>
           </a:p>
@@ -9696,7 +9697,7 @@
           <a:noFill/>
           <a:extLst>
             <a:ext uri="{909E8E84-426E-40dd-AFC4-6F175D3DCCD1}">
-              <a14:hiddenFill xmlns:a14="http://schemas.microsoft.com/office/drawing/2010/main" xmlns="">
+              <a14:hiddenFill xmlns="" xmlns:a14="http://schemas.microsoft.com/office/drawing/2010/main">
                 <a:solidFill>
                   <a:srgbClr val="FFFFFF"/>
                 </a:solidFill>
@@ -9770,7 +9771,7 @@
               </a:ln>
               <a:extLst>
                 <a:ext uri="{91240B29-F687-4f45-9708-019B960494DF}">
-                  <a14:hiddenLine xmlns:a14="http://schemas.microsoft.com/office/drawing/2010/main" xmlns="" w="9525">
+                  <a14:hiddenLine xmlns="" xmlns:a14="http://schemas.microsoft.com/office/drawing/2010/main" w="9525">
                     <a:solidFill>
                       <a:srgbClr val="000000"/>
                     </a:solidFill>
@@ -9860,7 +9861,7 @@
               </a:ln>
               <a:extLst>
                 <a:ext uri="{91240B29-F687-4f45-9708-019B960494DF}">
-                  <a14:hiddenLine xmlns:a14="http://schemas.microsoft.com/office/drawing/2010/main" xmlns="" w="9525">
+                  <a14:hiddenLine xmlns="" xmlns:a14="http://schemas.microsoft.com/office/drawing/2010/main" w="9525">
                     <a:solidFill>
                       <a:srgbClr val="000000"/>
                     </a:solidFill>
@@ -9950,7 +9951,7 @@
               </a:ln>
               <a:extLst>
                 <a:ext uri="{91240B29-F687-4f45-9708-019B960494DF}">
-                  <a14:hiddenLine xmlns:a14="http://schemas.microsoft.com/office/drawing/2010/main" xmlns="" w="9525">
+                  <a14:hiddenLine xmlns="" xmlns:a14="http://schemas.microsoft.com/office/drawing/2010/main" w="9525">
                     <a:solidFill>
                       <a:srgbClr val="000000"/>
                     </a:solidFill>
@@ -10012,7 +10013,7 @@
               </a:ln>
               <a:extLst>
                 <a:ext uri="{91240B29-F687-4f45-9708-019B960494DF}">
-                  <a14:hiddenLine xmlns:a14="http://schemas.microsoft.com/office/drawing/2010/main" xmlns="" w="9525">
+                  <a14:hiddenLine xmlns="" xmlns:a14="http://schemas.microsoft.com/office/drawing/2010/main" w="9525">
                     <a:solidFill>
                       <a:srgbClr val="000000"/>
                     </a:solidFill>
@@ -10102,7 +10103,7 @@
               </a:ln>
               <a:extLst>
                 <a:ext uri="{91240B29-F687-4f45-9708-019B960494DF}">
-                  <a14:hiddenLine xmlns:a14="http://schemas.microsoft.com/office/drawing/2010/main" xmlns="" w="9525">
+                  <a14:hiddenLine xmlns="" xmlns:a14="http://schemas.microsoft.com/office/drawing/2010/main" w="9525">
                     <a:solidFill>
                       <a:srgbClr val="000000"/>
                     </a:solidFill>
@@ -10164,7 +10165,7 @@
               </a:ln>
               <a:extLst>
                 <a:ext uri="{91240B29-F687-4f45-9708-019B960494DF}">
-                  <a14:hiddenLine xmlns:a14="http://schemas.microsoft.com/office/drawing/2010/main" xmlns="" w="9525">
+                  <a14:hiddenLine xmlns="" xmlns:a14="http://schemas.microsoft.com/office/drawing/2010/main" w="9525">
                     <a:solidFill>
                       <a:srgbClr val="000000"/>
                     </a:solidFill>
@@ -10226,7 +10227,7 @@
               </a:ln>
               <a:extLst>
                 <a:ext uri="{91240B29-F687-4f45-9708-019B960494DF}">
-                  <a14:hiddenLine xmlns:a14="http://schemas.microsoft.com/office/drawing/2010/main" xmlns="" w="9525">
+                  <a14:hiddenLine xmlns="" xmlns:a14="http://schemas.microsoft.com/office/drawing/2010/main" w="9525">
                     <a:solidFill>
                       <a:srgbClr val="000000"/>
                     </a:solidFill>
@@ -10316,7 +10317,7 @@
               </a:ln>
               <a:extLst>
                 <a:ext uri="{91240B29-F687-4f45-9708-019B960494DF}">
-                  <a14:hiddenLine xmlns:a14="http://schemas.microsoft.com/office/drawing/2010/main" xmlns="" w="9525">
+                  <a14:hiddenLine xmlns="" xmlns:a14="http://schemas.microsoft.com/office/drawing/2010/main" w="9525">
                     <a:solidFill>
                       <a:srgbClr val="000000"/>
                     </a:solidFill>
@@ -10406,7 +10407,7 @@
               </a:ln>
               <a:extLst>
                 <a:ext uri="{91240B29-F687-4f45-9708-019B960494DF}">
-                  <a14:hiddenLine xmlns:a14="http://schemas.microsoft.com/office/drawing/2010/main" xmlns="" w="9525">
+                  <a14:hiddenLine xmlns="" xmlns:a14="http://schemas.microsoft.com/office/drawing/2010/main" w="9525">
                     <a:solidFill>
                       <a:srgbClr val="000000"/>
                     </a:solidFill>
@@ -10468,7 +10469,7 @@
               </a:ln>
               <a:extLst>
                 <a:ext uri="{91240B29-F687-4f45-9708-019B960494DF}">
-                  <a14:hiddenLine xmlns:a14="http://schemas.microsoft.com/office/drawing/2010/main" xmlns="" w="9525">
+                  <a14:hiddenLine xmlns="" xmlns:a14="http://schemas.microsoft.com/office/drawing/2010/main" w="9525">
                     <a:solidFill>
                       <a:srgbClr val="000000"/>
                     </a:solidFill>
@@ -10578,7 +10579,7 @@
               </a:ln>
               <a:extLst>
                 <a:ext uri="{91240B29-F687-4f45-9708-019B960494DF}">
-                  <a14:hiddenLine xmlns:a14="http://schemas.microsoft.com/office/drawing/2010/main" xmlns="" w="9525">
+                  <a14:hiddenLine xmlns="" xmlns:a14="http://schemas.microsoft.com/office/drawing/2010/main" w="9525">
                     <a:solidFill>
                       <a:srgbClr val="000000"/>
                     </a:solidFill>
@@ -10662,7 +10663,7 @@
               </a:ln>
               <a:extLst>
                 <a:ext uri="{91240B29-F687-4f45-9708-019B960494DF}">
-                  <a14:hiddenLine xmlns:a14="http://schemas.microsoft.com/office/drawing/2010/main" xmlns="" w="9525">
+                  <a14:hiddenLine xmlns="" xmlns:a14="http://schemas.microsoft.com/office/drawing/2010/main" w="9525">
                     <a:solidFill>
                       <a:srgbClr val="000000"/>
                     </a:solidFill>
@@ -10724,7 +10725,7 @@
               </a:ln>
               <a:extLst>
                 <a:ext uri="{91240B29-F687-4f45-9708-019B960494DF}">
-                  <a14:hiddenLine xmlns:a14="http://schemas.microsoft.com/office/drawing/2010/main" xmlns="" w="9525">
+                  <a14:hiddenLine xmlns="" xmlns:a14="http://schemas.microsoft.com/office/drawing/2010/main" w="9525">
                     <a:solidFill>
                       <a:srgbClr val="000000"/>
                     </a:solidFill>
@@ -10786,7 +10787,7 @@
               </a:ln>
               <a:extLst>
                 <a:ext uri="{91240B29-F687-4f45-9708-019B960494DF}">
-                  <a14:hiddenLine xmlns:a14="http://schemas.microsoft.com/office/drawing/2010/main" xmlns="" w="9525">
+                  <a14:hiddenLine xmlns="" xmlns:a14="http://schemas.microsoft.com/office/drawing/2010/main" w="9525">
                     <a:solidFill>
                       <a:srgbClr val="000000"/>
                     </a:solidFill>
@@ -10876,7 +10877,7 @@
               </a:ln>
               <a:extLst>
                 <a:ext uri="{91240B29-F687-4f45-9708-019B960494DF}">
-                  <a14:hiddenLine xmlns:a14="http://schemas.microsoft.com/office/drawing/2010/main" xmlns="" w="9525">
+                  <a14:hiddenLine xmlns="" xmlns:a14="http://schemas.microsoft.com/office/drawing/2010/main" w="9525">
                     <a:solidFill>
                       <a:srgbClr val="000000"/>
                     </a:solidFill>
@@ -10910,7 +10911,7 @@
               </a:ln>
               <a:extLst>
                 <a:ext uri="{91240B29-F687-4f45-9708-019B960494DF}">
-                  <a14:hiddenLine xmlns:a14="http://schemas.microsoft.com/office/drawing/2010/main" xmlns="" w="9525">
+                  <a14:hiddenLine xmlns="" xmlns:a14="http://schemas.microsoft.com/office/drawing/2010/main" w="9525">
                     <a:solidFill>
                       <a:srgbClr val="000000"/>
                     </a:solidFill>
@@ -10975,7 +10976,7 @@
               </a:ln>
               <a:extLst>
                 <a:ext uri="{91240B29-F687-4f45-9708-019B960494DF}">
-                  <a14:hiddenLine xmlns:a14="http://schemas.microsoft.com/office/drawing/2010/main" xmlns="" w="9525">
+                  <a14:hiddenLine xmlns="" xmlns:a14="http://schemas.microsoft.com/office/drawing/2010/main" w="9525">
                     <a:solidFill>
                       <a:srgbClr val="000000"/>
                     </a:solidFill>
@@ -11065,7 +11066,7 @@
               </a:ln>
               <a:extLst>
                 <a:ext uri="{91240B29-F687-4f45-9708-019B960494DF}">
-                  <a14:hiddenLine xmlns:a14="http://schemas.microsoft.com/office/drawing/2010/main" xmlns="" w="9525">
+                  <a14:hiddenLine xmlns="" xmlns:a14="http://schemas.microsoft.com/office/drawing/2010/main" w="9525">
                     <a:solidFill>
                       <a:srgbClr val="000000"/>
                     </a:solidFill>
@@ -11127,7 +11128,7 @@
               </a:ln>
               <a:extLst>
                 <a:ext uri="{91240B29-F687-4f45-9708-019B960494DF}">
-                  <a14:hiddenLine xmlns:a14="http://schemas.microsoft.com/office/drawing/2010/main" xmlns="" w="9525">
+                  <a14:hiddenLine xmlns="" xmlns:a14="http://schemas.microsoft.com/office/drawing/2010/main" w="9525">
                     <a:solidFill>
                       <a:srgbClr val="000000"/>
                     </a:solidFill>
@@ -11217,7 +11218,7 @@
               </a:ln>
               <a:extLst>
                 <a:ext uri="{91240B29-F687-4f45-9708-019B960494DF}">
-                  <a14:hiddenLine xmlns:a14="http://schemas.microsoft.com/office/drawing/2010/main" xmlns="" w="9525">
+                  <a14:hiddenLine xmlns="" xmlns:a14="http://schemas.microsoft.com/office/drawing/2010/main" w="9525">
                     <a:solidFill>
                       <a:srgbClr val="000000"/>
                     </a:solidFill>
@@ -11282,7 +11283,7 @@
               </a:ln>
               <a:extLst>
                 <a:ext uri="{91240B29-F687-4f45-9708-019B960494DF}">
-                  <a14:hiddenLine xmlns:a14="http://schemas.microsoft.com/office/drawing/2010/main" xmlns="" w="9525">
+                  <a14:hiddenLine xmlns="" xmlns:a14="http://schemas.microsoft.com/office/drawing/2010/main" w="9525">
                     <a:solidFill>
                       <a:srgbClr val="000000"/>
                     </a:solidFill>
@@ -11344,7 +11345,7 @@
               </a:ln>
               <a:extLst>
                 <a:ext uri="{91240B29-F687-4f45-9708-019B960494DF}">
-                  <a14:hiddenLine xmlns:a14="http://schemas.microsoft.com/office/drawing/2010/main" xmlns="" w="9525">
+                  <a14:hiddenLine xmlns="" xmlns:a14="http://schemas.microsoft.com/office/drawing/2010/main" w="9525">
                     <a:solidFill>
                       <a:srgbClr val="000000"/>
                     </a:solidFill>
@@ -11434,7 +11435,7 @@
               </a:ln>
               <a:extLst>
                 <a:ext uri="{91240B29-F687-4f45-9708-019B960494DF}">
-                  <a14:hiddenLine xmlns:a14="http://schemas.microsoft.com/office/drawing/2010/main" xmlns="" w="9525">
+                  <a14:hiddenLine xmlns="" xmlns:a14="http://schemas.microsoft.com/office/drawing/2010/main" w="9525">
                     <a:solidFill>
                       <a:srgbClr val="000000"/>
                     </a:solidFill>
@@ -11524,7 +11525,7 @@
               </a:ln>
               <a:extLst>
                 <a:ext uri="{91240B29-F687-4f45-9708-019B960494DF}">
-                  <a14:hiddenLine xmlns:a14="http://schemas.microsoft.com/office/drawing/2010/main" xmlns="" w="9525">
+                  <a14:hiddenLine xmlns="" xmlns:a14="http://schemas.microsoft.com/office/drawing/2010/main" w="9525">
                     <a:solidFill>
                       <a:srgbClr val="000000"/>
                     </a:solidFill>
@@ -11589,7 +11590,7 @@
               </a:ln>
               <a:extLst>
                 <a:ext uri="{91240B29-F687-4f45-9708-019B960494DF}">
-                  <a14:hiddenLine xmlns:a14="http://schemas.microsoft.com/office/drawing/2010/main" xmlns="" w="9525">
+                  <a14:hiddenLine xmlns="" xmlns:a14="http://schemas.microsoft.com/office/drawing/2010/main" w="9525">
                     <a:solidFill>
                       <a:srgbClr val="000000"/>
                     </a:solidFill>
@@ -11709,7 +11710,7 @@
               </a:ln>
               <a:extLst>
                 <a:ext uri="{91240B29-F687-4f45-9708-019B960494DF}">
-                  <a14:hiddenLine xmlns:a14="http://schemas.microsoft.com/office/drawing/2010/main" xmlns="" w="9525">
+                  <a14:hiddenLine xmlns="" xmlns:a14="http://schemas.microsoft.com/office/drawing/2010/main" w="9525">
                     <a:solidFill>
                       <a:srgbClr val="000000"/>
                     </a:solidFill>
@@ -11807,7 +11808,7 @@
               </a:ln>
               <a:extLst>
                 <a:ext uri="{91240B29-F687-4f45-9708-019B960494DF}">
-                  <a14:hiddenLine xmlns:a14="http://schemas.microsoft.com/office/drawing/2010/main" xmlns="" w="9525">
+                  <a14:hiddenLine xmlns="" xmlns:a14="http://schemas.microsoft.com/office/drawing/2010/main" w="9525">
                     <a:solidFill>
                       <a:srgbClr val="000000"/>
                     </a:solidFill>
@@ -11922,7 +11923,7 @@
               </a:ln>
               <a:extLst>
                 <a:ext uri="{91240B29-F687-4f45-9708-019B960494DF}">
-                  <a14:hiddenLine xmlns:a14="http://schemas.microsoft.com/office/drawing/2010/main" xmlns="" w="9525">
+                  <a14:hiddenLine xmlns="" xmlns:a14="http://schemas.microsoft.com/office/drawing/2010/main" w="9525">
                     <a:solidFill>
                       <a:srgbClr val="000000"/>
                     </a:solidFill>
@@ -12012,7 +12013,7 @@
               </a:ln>
               <a:extLst>
                 <a:ext uri="{91240B29-F687-4f45-9708-019B960494DF}">
-                  <a14:hiddenLine xmlns:a14="http://schemas.microsoft.com/office/drawing/2010/main" xmlns="" w="9525">
+                  <a14:hiddenLine xmlns="" xmlns:a14="http://schemas.microsoft.com/office/drawing/2010/main" w="9525">
                     <a:solidFill>
                       <a:srgbClr val="000000"/>
                     </a:solidFill>
@@ -12077,7 +12078,7 @@
               </a:ln>
               <a:extLst>
                 <a:ext uri="{91240B29-F687-4f45-9708-019B960494DF}">
-                  <a14:hiddenLine xmlns:a14="http://schemas.microsoft.com/office/drawing/2010/main" xmlns="" w="9525">
+                  <a14:hiddenLine xmlns="" xmlns:a14="http://schemas.microsoft.com/office/drawing/2010/main" w="9525">
                     <a:solidFill>
                       <a:srgbClr val="000000"/>
                     </a:solidFill>
@@ -12167,7 +12168,7 @@
               </a:ln>
               <a:extLst>
                 <a:ext uri="{91240B29-F687-4f45-9708-019B960494DF}">
-                  <a14:hiddenLine xmlns:a14="http://schemas.microsoft.com/office/drawing/2010/main" xmlns="" w="9525">
+                  <a14:hiddenLine xmlns="" xmlns:a14="http://schemas.microsoft.com/office/drawing/2010/main" w="9525">
                     <a:solidFill>
                       <a:srgbClr val="000000"/>
                     </a:solidFill>
@@ -12235,7 +12236,7 @@
               </a:ln>
               <a:extLst>
                 <a:ext uri="{91240B29-F687-4f45-9708-019B960494DF}">
-                  <a14:hiddenLine xmlns:a14="http://schemas.microsoft.com/office/drawing/2010/main" xmlns="" w="9525">
+                  <a14:hiddenLine xmlns="" xmlns:a14="http://schemas.microsoft.com/office/drawing/2010/main" w="9525">
                     <a:solidFill>
                       <a:srgbClr val="000000"/>
                     </a:solidFill>
@@ -12325,7 +12326,7 @@
               </a:ln>
               <a:extLst>
                 <a:ext uri="{91240B29-F687-4f45-9708-019B960494DF}">
-                  <a14:hiddenLine xmlns:a14="http://schemas.microsoft.com/office/drawing/2010/main" xmlns="" w="9525">
+                  <a14:hiddenLine xmlns="" xmlns:a14="http://schemas.microsoft.com/office/drawing/2010/main" w="9525">
                     <a:solidFill>
                       <a:srgbClr val="000000"/>
                     </a:solidFill>
@@ -12393,7 +12394,7 @@
               </a:ln>
               <a:extLst>
                 <a:ext uri="{91240B29-F687-4f45-9708-019B960494DF}">
-                  <a14:hiddenLine xmlns:a14="http://schemas.microsoft.com/office/drawing/2010/main" xmlns="" w="9525">
+                  <a14:hiddenLine xmlns="" xmlns:a14="http://schemas.microsoft.com/office/drawing/2010/main" w="9525">
                     <a:solidFill>
                       <a:srgbClr val="000000"/>
                     </a:solidFill>
@@ -12483,7 +12484,7 @@
               </a:ln>
               <a:extLst>
                 <a:ext uri="{91240B29-F687-4f45-9708-019B960494DF}">
-                  <a14:hiddenLine xmlns:a14="http://schemas.microsoft.com/office/drawing/2010/main" xmlns="" w="9525">
+                  <a14:hiddenLine xmlns="" xmlns:a14="http://schemas.microsoft.com/office/drawing/2010/main" w="9525">
                     <a:solidFill>
                       <a:srgbClr val="000000"/>
                     </a:solidFill>
@@ -12517,7 +12518,7 @@
               </a:ln>
               <a:extLst>
                 <a:ext uri="{91240B29-F687-4f45-9708-019B960494DF}">
-                  <a14:hiddenLine xmlns:a14="http://schemas.microsoft.com/office/drawing/2010/main" xmlns="" w="9525">
+                  <a14:hiddenLine xmlns="" xmlns:a14="http://schemas.microsoft.com/office/drawing/2010/main" w="9525">
                     <a:solidFill>
                       <a:srgbClr val="000000"/>
                     </a:solidFill>
@@ -12658,7 +12659,7 @@
             <a:fld id="{48A87A34-81AB-432B-8DAE-1953F412C126}" type="datetimeFigureOut">
               <a:rPr lang="en-US" dirty="0"/>
               <a:pPr/>
-              <a:t>5/30/2017</a:t>
+              <a:t>6/13/2017</a:t>
             </a:fld>
             <a:endParaRPr lang="en-US" dirty="0"/>
           </a:p>
@@ -13883,6 +13884,137 @@
     <p:extLst>
       <p:ext uri="{BB962C8B-B14F-4D97-AF65-F5344CB8AC3E}">
         <p14:creationId xmlns:p14="http://schemas.microsoft.com/office/powerpoint/2010/main" val="1391565461"/>
+      </p:ext>
+    </p:extLst>
+  </p:cSld>
+  <p:clrMapOvr>
+    <a:masterClrMapping/>
+  </p:clrMapOvr>
+</p:sld>
+</file>
+
+<file path=ppt/slides/slide16.xml><?xml version="1.0" encoding="utf-8"?>
+<p:sld xmlns:a="http://schemas.openxmlformats.org/drawingml/2006/main" xmlns:r="http://schemas.openxmlformats.org/officeDocument/2006/relationships" xmlns:p="http://schemas.openxmlformats.org/presentationml/2006/main">
+  <p:cSld>
+    <p:spTree>
+      <p:nvGrpSpPr>
+        <p:cNvPr id="1" name=""/>
+        <p:cNvGrpSpPr/>
+        <p:nvPr/>
+      </p:nvGrpSpPr>
+      <p:grpSpPr>
+        <a:xfrm>
+          <a:off x="0" y="0"/>
+          <a:ext cx="0" cy="0"/>
+          <a:chOff x="0" y="0"/>
+          <a:chExt cx="0" cy="0"/>
+        </a:xfrm>
+      </p:grpSpPr>
+      <p:sp>
+        <p:nvSpPr>
+          <p:cNvPr id="2" name="Title 1">
+            <a:extLst>
+              <a:ext uri="{FF2B5EF4-FFF2-40B4-BE49-F238E27FC236}">
+                <a16:creationId xmlns:a16="http://schemas.microsoft.com/office/drawing/2014/main" id="{50F742DB-AFBE-4BCE-A7E1-4E3ADBBE6D81}"/>
+              </a:ext>
+            </a:extLst>
+          </p:cNvPr>
+          <p:cNvSpPr>
+            <a:spLocks noGrp="1"/>
+          </p:cNvSpPr>
+          <p:nvPr>
+            <p:ph type="title"/>
+          </p:nvPr>
+        </p:nvSpPr>
+        <p:spPr/>
+        <p:txBody>
+          <a:bodyPr/>
+          <a:lstStyle/>
+          <a:p>
+            <a:r>
+              <a:rPr lang="en-US" dirty="0"/>
+              <a:t>Links</a:t>
+            </a:r>
+          </a:p>
+        </p:txBody>
+      </p:sp>
+      <p:sp>
+        <p:nvSpPr>
+          <p:cNvPr id="3" name="Content Placeholder 2">
+            <a:extLst>
+              <a:ext uri="{FF2B5EF4-FFF2-40B4-BE49-F238E27FC236}">
+                <a16:creationId xmlns:a16="http://schemas.microsoft.com/office/drawing/2014/main" id="{F0A914BB-5400-4C02-AAB2-1DC387F0434A}"/>
+              </a:ext>
+            </a:extLst>
+          </p:cNvPr>
+          <p:cNvSpPr>
+            <a:spLocks noGrp="1"/>
+          </p:cNvSpPr>
+          <p:nvPr>
+            <p:ph idx="1"/>
+          </p:nvPr>
+        </p:nvSpPr>
+        <p:spPr/>
+        <p:txBody>
+          <a:bodyPr/>
+          <a:lstStyle/>
+          <a:p>
+            <a:r>
+              <a:rPr lang="en-US" dirty="0"/>
+              <a:t>Source: </a:t>
+            </a:r>
+            <a:r>
+              <a:rPr lang="en-US" dirty="0">
+                <a:hlinkClick r:id="rId2"/>
+              </a:rPr>
+              <a:t>https://github.com/brskl/Ra</a:t>
+            </a:r>
+            <a:endParaRPr lang="en-US" dirty="0"/>
+          </a:p>
+          <a:p>
+            <a:r>
+              <a:rPr lang="en-US" dirty="0"/>
+              <a:t>Presentation video</a:t>
+            </a:r>
+            <a:r>
+              <a:rPr lang="en-US"/>
+              <a:t>: </a:t>
+            </a:r>
+            <a:r>
+              <a:rPr lang="en-US">
+                <a:hlinkClick r:id="rId3"/>
+              </a:rPr>
+              <a:t>https://youtu.be/AEBHYqwZX-U</a:t>
+            </a:r>
+            <a:endParaRPr lang="en-US"/>
+          </a:p>
+          <a:p>
+            <a:r>
+              <a:rPr lang="en-US"/>
+              <a:t>This </a:t>
+            </a:r>
+            <a:r>
+              <a:rPr lang="en-US" dirty="0" err="1"/>
+              <a:t>Powerpoint</a:t>
+            </a:r>
+            <a:r>
+              <a:rPr lang="en-US" dirty="0"/>
+              <a:t>: </a:t>
+            </a:r>
+            <a:r>
+              <a:rPr lang="en-US" dirty="0">
+                <a:hlinkClick r:id="rId4"/>
+              </a:rPr>
+              <a:t>https://github.com/brskl/Ra/blob/master/doc/Project%20Presentation%20-%20Ra%202017-05.pptx</a:t>
+            </a:r>
+            <a:endParaRPr lang="en-US" dirty="0"/>
+          </a:p>
+        </p:txBody>
+      </p:sp>
+    </p:spTree>
+    <p:extLst>
+      <p:ext uri="{BB962C8B-B14F-4D97-AF65-F5344CB8AC3E}">
+        <p14:creationId xmlns:p14="http://schemas.microsoft.com/office/powerpoint/2010/main" val="2869704622"/>
       </p:ext>
     </p:extLst>
   </p:cSld>
